--- a/SexDimDPro.pptx
+++ b/SexDimDPro.pptx
@@ -3537,42 +3537,86 @@
               <a:buNone/>
             </a:pPr>
             <a:r>
+              <a:rPr i="1"/>
+              <a:t>Drosophila prolongata</a:t>
+            </a:r>
+            <a:r>
               <a:rPr/>
-              <a:t>Data Analysis</a:t>
-            </a:r>
-          </a:p>
-        </p:txBody>
-      </p:sp>
-      <p:pic>
-        <p:nvPicPr>
-          <p:cNvPr descr="SexDimDPro_files/figure-pptx/pressure-1.png" id="0" name="Picture 1"/>
-          <p:cNvPicPr>
-            <a:picLocks noGrp="1" noChangeAspect="1"/>
-          </p:cNvPicPr>
-          <p:nvPr/>
-        </p:nvPicPr>
-        <p:blipFill>
-          <a:blip r:embed="rId2"/>
-          <a:stretch>
-            <a:fillRect/>
-          </a:stretch>
-        </p:blipFill>
-        <p:spPr bwMode="auto">
-          <a:xfrm>
-            <a:off x="2451100" y="1193800"/>
-            <a:ext cx="4241800" cy="3390900"/>
-          </a:xfrm>
-          <a:prstGeom prst="rect">
-            <a:avLst/>
-          </a:prstGeom>
-          <a:noFill/>
-          <a:ln w="9525">
-            <a:noFill/>
-            <a:headEnd/>
-            <a:tailEnd/>
-          </a:ln>
-        </p:spPr>
-      </p:pic>
+              <a:t> Observations</a:t>
+            </a:r>
+          </a:p>
+        </p:txBody>
+      </p:sp>
+      <p:sp>
+        <p:nvSpPr>
+          <p:cNvPr id="3" name="Content Placeholder 2"/>
+          <p:cNvSpPr>
+            <a:spLocks noGrp="1"/>
+          </p:cNvSpPr>
+          <p:nvPr>
+            <p:ph idx="1"/>
+          </p:nvPr>
+        </p:nvSpPr>
+        <p:spPr/>
+        <p:txBody>
+          <a:bodyPr/>
+          <a:lstStyle/>
+          <a:p>
+            <a:pPr lvl="0"/>
+            <a:r>
+              <a:rPr i="1"/>
+              <a:t>D. prolongata</a:t>
+            </a:r>
+            <a:r>
+              <a:rPr/>
+              <a:t> has strong sexual dimorphism in tibia and tarsus size</a:t>
+            </a:r>
+          </a:p>
+          <a:p>
+            <a:pPr lvl="1"/>
+            <a:r>
+              <a:rPr/>
+              <a:t>despite this, they are only moderately condition dependent</a:t>
+            </a:r>
+          </a:p>
+          <a:p>
+            <a:pPr lvl="1"/>
+            <a:r>
+              <a:rPr/>
+              <a:t>all other species in the experiment exhibited moderate dimorphism and condition dependence</a:t>
+            </a:r>
+          </a:p>
+          <a:p>
+            <a:pPr lvl="0"/>
+            <a:r>
+              <a:rPr/>
+              <a:t>This leads us to a couple new hypotheses to investigate about </a:t>
+            </a:r>
+            <a:r>
+              <a:rPr i="1"/>
+              <a:t>D. prolongata</a:t>
+            </a:r>
+          </a:p>
+          <a:p>
+            <a:pPr lvl="1" indent="-342900" marL="685800">
+              <a:buAutoNum type="arabicPeriod"/>
+            </a:pPr>
+            <a:r>
+              <a:rPr/>
+              <a:t>Starvation during larval development will decrease sexual dimorphism in forelegs</a:t>
+            </a:r>
+          </a:p>
+          <a:p>
+            <a:pPr lvl="1" indent="-342900" marL="685800">
+              <a:buAutoNum type="arabicPeriod"/>
+            </a:pPr>
+            <a:r>
+              <a:rPr/>
+              <a:t>More sexually dimorphic traits (forelegs) will exhibit more condition dependence than less dimorphic traits (wings)</a:t>
+            </a:r>
+          </a:p>
+        </p:txBody>
+      </p:sp>
     </p:spTree>
   </p:cSld>
 </p:sld>

--- a/SexDimDPro.pptx
+++ b/SexDimDPro.pptx
@@ -9,6 +9,7 @@
     <p:sldId id="257" r:id="rId3"/>
     <p:sldId id="258" r:id="rId4"/>
     <p:sldId id="259" r:id="rId5"/>
+    <p:sldId id="260" r:id="rId6"/>
   </p:sldIdLst>
   <p:sldSz cx="9144000" cy="5143500" type="screen16x9"/>
   <p:notesSz cx="6858000" cy="9144000"/>
@@ -3542,7 +3543,7 @@
             </a:r>
             <a:r>
               <a:rPr/>
-              <a:t> Observations</a:t>
+              <a:t> Initial Observations</a:t>
             </a:r>
           </a:p>
         </p:txBody>
@@ -3554,7 +3555,7 @@
             <a:spLocks noGrp="1"/>
           </p:cNvSpPr>
           <p:nvPr>
-            <p:ph idx="1"/>
+            <p:ph idx="1" sz="half"/>
           </p:nvPr>
         </p:nvSpPr>
         <p:spPr/>
@@ -3586,11 +3587,27 @@
               <a:t>all other species in the experiment exhibited moderate dimorphism and condition dependence</a:t>
             </a:r>
           </a:p>
+        </p:txBody>
+      </p:sp>
+      <p:sp>
+        <p:nvSpPr>
+          <p:cNvPr id="4" name="Content Placeholder 3"/>
+          <p:cNvSpPr>
+            <a:spLocks noGrp="1"/>
+          </p:cNvSpPr>
+          <p:nvPr>
+            <p:ph idx="2" sz="half"/>
+          </p:nvPr>
+        </p:nvSpPr>
+        <p:spPr/>
+        <p:txBody>
+          <a:bodyPr/>
+          <a:lstStyle/>
           <a:p>
             <a:pPr lvl="0"/>
             <a:r>
               <a:rPr/>
-              <a:t>This leads us to a couple new hypotheses to investigate about </a:t>
+              <a:t>This leads us to a couple new hypotheses to investigate concerning </a:t>
             </a:r>
             <a:r>
               <a:rPr i="1"/>
@@ -3613,6 +3630,90 @@
             <a:r>
               <a:rPr/>
               <a:t>More sexually dimorphic traits (forelegs) will exhibit more condition dependence than less dimorphic traits (wings)</a:t>
+            </a:r>
+          </a:p>
+        </p:txBody>
+      </p:sp>
+    </p:spTree>
+  </p:cSld>
+</p:sld>
+</file>
+
+<file path=ppt/slides/slide5.xml><?xml version="1.0" encoding="utf-8"?>
+<p:sld xmlns:a="http://schemas.openxmlformats.org/drawingml/2006/main" xmlns:r="http://schemas.openxmlformats.org/officeDocument/2006/relationships" xmlns:p="http://schemas.openxmlformats.org/presentationml/2006/main">
+  <p:cSld>
+    <p:spTree>
+      <p:nvGrpSpPr>
+        <p:cNvPr id="1" name=""/>
+        <p:cNvGrpSpPr/>
+        <p:nvPr/>
+      </p:nvGrpSpPr>
+      <p:grpSpPr>
+        <a:xfrm>
+          <a:off x="0" y="0"/>
+          <a:ext cx="0" cy="0"/>
+          <a:chOff x="0" y="0"/>
+          <a:chExt cx="0" cy="0"/>
+        </a:xfrm>
+      </p:grpSpPr>
+      <p:sp>
+        <p:nvSpPr>
+          <p:cNvPr id="2" name="Title 1"/>
+          <p:cNvSpPr>
+            <a:spLocks noGrp="1"/>
+          </p:cNvSpPr>
+          <p:nvPr>
+            <p:ph type="title"/>
+          </p:nvPr>
+        </p:nvSpPr>
+        <p:spPr/>
+        <p:txBody>
+          <a:bodyPr/>
+          <a:lstStyle/>
+          <a:p>
+            <a:pPr lvl="0" indent="0" marL="0">
+              <a:buNone/>
+            </a:pPr>
+            <a:r>
+              <a:rPr/>
+              <a:t>Proposed Analyses</a:t>
+            </a:r>
+          </a:p>
+        </p:txBody>
+      </p:sp>
+      <p:sp>
+        <p:nvSpPr>
+          <p:cNvPr id="3" name="Content Placeholder 2"/>
+          <p:cNvSpPr>
+            <a:spLocks noGrp="1"/>
+          </p:cNvSpPr>
+          <p:nvPr>
+            <p:ph idx="1"/>
+          </p:nvPr>
+        </p:nvSpPr>
+        <p:spPr/>
+        <p:txBody>
+          <a:bodyPr/>
+          <a:lstStyle/>
+          <a:p>
+            <a:pPr lvl="0"/>
+            <a:r>
+              <a:rPr/>
+              <a:t>Perform PCA analysis or log2 scaling to control for shape variation</a:t>
+            </a:r>
+          </a:p>
+          <a:p>
+            <a:pPr lvl="1"/>
+            <a:r>
+              <a:rPr/>
+              <a:t>will allow us to investigate size without the influence of shape</a:t>
+            </a:r>
+          </a:p>
+          <a:p>
+            <a:pPr lvl="1"/>
+            <a:r>
+              <a:rPr/>
+              <a:t>log2 scaling seems to be the easier option</a:t>
             </a:r>
           </a:p>
         </p:txBody>

--- a/SexDimDPro.pptx
+++ b/SexDimDPro.pptx
@@ -10,6 +10,7 @@
     <p:sldId id="258" r:id="rId4"/>
     <p:sldId id="259" r:id="rId5"/>
     <p:sldId id="260" r:id="rId6"/>
+    <p:sldId id="261" r:id="rId7"/>
   </p:sldIdLst>
   <p:sldSz cx="9144000" cy="5143500" type="screen16x9"/>
   <p:notesSz cx="6858000" cy="9144000"/>
@@ -3699,7 +3700,7 @@
             <a:pPr lvl="0"/>
             <a:r>
               <a:rPr/>
-              <a:t>Perform PCA analysis or log2 scaling to control for shape variation</a:t>
+              <a:t>Perform PCA analysis</a:t>
             </a:r>
           </a:p>
           <a:p>
@@ -3710,14 +3711,395 @@
             </a:r>
           </a:p>
           <a:p>
+            <a:pPr lvl="0"/>
+            <a:r>
+              <a:rPr/>
+              <a:t>log2 scaling</a:t>
+            </a:r>
+          </a:p>
+          <a:p>
             <a:pPr lvl="1"/>
             <a:r>
               <a:rPr/>
-              <a:t>log2 scaling seems to be the easier option</a:t>
-            </a:r>
-          </a:p>
-        </p:txBody>
-      </p:sp>
+              <a:t>allows us to investigate proportional size differences instead of absolute</a:t>
+            </a:r>
+          </a:p>
+        </p:txBody>
+      </p:sp>
+    </p:spTree>
+  </p:cSld>
+</p:sld>
+</file>
+
+<file path=ppt/slides/slide6.xml><?xml version="1.0" encoding="utf-8"?>
+<p:sld xmlns:a="http://schemas.openxmlformats.org/drawingml/2006/main" xmlns:r="http://schemas.openxmlformats.org/officeDocument/2006/relationships" xmlns:p="http://schemas.openxmlformats.org/presentationml/2006/main">
+  <p:cSld>
+    <p:spTree>
+      <p:nvGrpSpPr>
+        <p:cNvPr id="1" name=""/>
+        <p:cNvGrpSpPr/>
+        <p:nvPr/>
+      </p:nvGrpSpPr>
+      <p:grpSpPr>
+        <a:xfrm>
+          <a:off x="0" y="0"/>
+          <a:ext cx="0" cy="0"/>
+          <a:chOff x="0" y="0"/>
+          <a:chExt cx="0" cy="0"/>
+        </a:xfrm>
+      </p:grpSpPr>
+      <p:sp>
+        <p:nvSpPr>
+          <p:cNvPr id="2" name="Title 1"/>
+          <p:cNvSpPr>
+            <a:spLocks noGrp="1"/>
+          </p:cNvSpPr>
+          <p:nvPr>
+            <p:ph type="title"/>
+          </p:nvPr>
+        </p:nvSpPr>
+        <p:spPr/>
+        <p:txBody>
+          <a:bodyPr/>
+          <a:lstStyle/>
+          <a:p>
+            <a:pPr lvl="0" indent="0" marL="0">
+              <a:buNone/>
+            </a:pPr>
+            <a:r>
+              <a:rPr/>
+              <a:t>Principal Components Analysis</a:t>
+            </a:r>
+          </a:p>
+        </p:txBody>
+      </p:sp>
+      <p:pic>
+        <p:nvPicPr>
+          <p:cNvPr descr="SexDimDPro_files/figure-pptx/unnamed-chunk-2-1.png" id="0" name="Picture 1"/>
+          <p:cNvPicPr>
+            <a:picLocks noGrp="1" noChangeAspect="1"/>
+          </p:cNvPicPr>
+          <p:nvPr/>
+        </p:nvPicPr>
+        <p:blipFill>
+          <a:blip r:embed="rId2"/>
+          <a:stretch>
+            <a:fillRect/>
+          </a:stretch>
+        </p:blipFill>
+        <p:spPr bwMode="auto">
+          <a:xfrm>
+            <a:off x="673100" y="1193800"/>
+            <a:ext cx="3606800" cy="2882900"/>
+          </a:xfrm>
+          <a:prstGeom prst="rect">
+            <a:avLst/>
+          </a:prstGeom>
+          <a:noFill/>
+          <a:ln w="9525">
+            <a:noFill/>
+            <a:headEnd/>
+            <a:tailEnd/>
+          </a:ln>
+        </p:spPr>
+      </p:pic>
+      <p:sp>
+        <p:nvSpPr>
+          <p:cNvPr id="1" name="TextBox 3"/>
+          <p:cNvSpPr txBox="1"/>
+          <p:nvPr/>
+        </p:nvSpPr>
+        <p:spPr>
+          <a:xfrm>
+            <a:off x="457200" y="4076700"/>
+            <a:ext cx="4038600" cy="508000"/>
+          </a:xfrm>
+          <a:prstGeom prst="rect">
+            <a:avLst/>
+          </a:prstGeom>
+          <a:noFill/>
+        </p:spPr>
+        <p:txBody>
+          <a:bodyPr/>
+          <a:lstStyle/>
+          <a:p>
+            <a:pPr lvl="0" indent="0" marL="0" algn="ctr">
+              <a:buNone/>
+            </a:pPr>
+            <a:r>
+              <a:rPr i="1"/>
+              <a:t>PC1 accounts for most of the variation we see</a:t>
+            </a:r>
+          </a:p>
+        </p:txBody>
+      </p:sp>
+      <p:graphicFrame>
+        <p:nvGraphicFramePr>
+          <p:cNvPr id="6" name="Content Placeholder 5"/>
+          <p:cNvGraphicFramePr>
+            <a:graphicFrameLocks noGrp="1"/>
+          </p:cNvGraphicFramePr>
+          <p:nvPr>
+            <p:ph idx="1"/>
+          </p:nvPr>
+        </p:nvGraphicFramePr>
+        <p:xfrm>
+          <a:off x="4648200" y="1193800"/>
+          <a:ext cx="4038600" cy="3390900"/>
+        </p:xfrm>
+        <a:graphic>
+          <a:graphicData uri="http://schemas.openxmlformats.org/drawingml/2006/table">
+            <a:tbl>
+              <a:tblPr firstRow="1" bandRow="1">
+                <a:tableStyleId>{5C22544A-7EE6-4342-B048-85BDC9FD1C3A}</a:tableStyleId>
+              </a:tblPr>
+              <a:tblGrid>
+                <a:gridCol w="1346200"/>
+                <a:gridCol w="1346200"/>
+                <a:gridCol w="1346200"/>
+              </a:tblGrid>
+              <a:tr h="0">
+                <a:tc>
+                  <a:txBody>
+                    <a:bodyPr/>
+                    <a:lstStyle/>
+                    <a:p>
+                      <a:pPr lvl="0" indent="0" marL="0">
+                        <a:buNone/>
+                      </a:pPr>
+                      <a:r>
+                        <a:rPr/>
+                        <a:t>Trait</a:t>
+                      </a:r>
+                    </a:p>
+                  </a:txBody>
+                  <a:tcPr/>
+                </a:tc>
+                <a:tc>
+                  <a:txBody>
+                    <a:bodyPr/>
+                    <a:lstStyle/>
+                    <a:p>
+                      <a:pPr lvl="0" indent="0" marL="0">
+                        <a:buNone/>
+                      </a:pPr>
+                      <a:r>
+                        <a:rPr/>
+                        <a:t>PC1 Loadings</a:t>
+                      </a:r>
+                    </a:p>
+                  </a:txBody>
+                  <a:tcPr/>
+                </a:tc>
+                <a:tc>
+                  <a:txBody>
+                    <a:bodyPr/>
+                    <a:lstStyle/>
+                    <a:p>
+                      <a:pPr lvl="0" indent="0" marL="0">
+                        <a:buNone/>
+                      </a:pPr>
+                      <a:r>
+                        <a:rPr/>
+                        <a:t>PC2 Loadings</a:t>
+                      </a:r>
+                    </a:p>
+                  </a:txBody>
+                  <a:tcPr/>
+                </a:tc>
+              </a:tr>
+              <a:tr h="0">
+                <a:tc>
+                  <a:txBody>
+                    <a:bodyPr/>
+                    <a:lstStyle/>
+                    <a:p>
+                      <a:pPr lvl="0" indent="0" marL="0">
+                        <a:buNone/>
+                      </a:pPr>
+                      <a:r>
+                        <a:rPr/>
+                        <a:t>Tibia Length</a:t>
+                      </a:r>
+                    </a:p>
+                  </a:txBody>
+                </a:tc>
+                <a:tc>
+                  <a:txBody>
+                    <a:bodyPr/>
+                    <a:lstStyle/>
+                    <a:p>
+                      <a:pPr lvl="0" indent="0" marL="0">
+                        <a:buNone/>
+                      </a:pPr>
+                      <a:r>
+                        <a:rPr/>
+                        <a:t>0.4987080</a:t>
+                      </a:r>
+                    </a:p>
+                  </a:txBody>
+                </a:tc>
+                <a:tc>
+                  <a:txBody>
+                    <a:bodyPr/>
+                    <a:lstStyle/>
+                    <a:p>
+                      <a:pPr lvl="0" indent="0" marL="0">
+                        <a:buNone/>
+                      </a:pPr>
+                      <a:r>
+                        <a:rPr/>
+                        <a:t>-0.03130124</a:t>
+                      </a:r>
+                    </a:p>
+                  </a:txBody>
+                </a:tc>
+              </a:tr>
+              <a:tr h="0">
+                <a:tc>
+                  <a:txBody>
+                    <a:bodyPr/>
+                    <a:lstStyle/>
+                    <a:p>
+                      <a:pPr lvl="0" indent="0" marL="0">
+                        <a:buNone/>
+                      </a:pPr>
+                      <a:r>
+                        <a:rPr/>
+                        <a:t>Tibia Width</a:t>
+                      </a:r>
+                    </a:p>
+                  </a:txBody>
+                </a:tc>
+                <a:tc>
+                  <a:txBody>
+                    <a:bodyPr/>
+                    <a:lstStyle/>
+                    <a:p>
+                      <a:pPr lvl="0" indent="0" marL="0">
+                        <a:buNone/>
+                      </a:pPr>
+                      <a:r>
+                        <a:rPr/>
+                        <a:t>0.7313304</a:t>
+                      </a:r>
+                    </a:p>
+                  </a:txBody>
+                </a:tc>
+                <a:tc>
+                  <a:txBody>
+                    <a:bodyPr/>
+                    <a:lstStyle/>
+                    <a:p>
+                      <a:pPr lvl="0" indent="0" marL="0">
+                        <a:buNone/>
+                      </a:pPr>
+                      <a:r>
+                        <a:rPr/>
+                        <a:t>0.41634811</a:t>
+                      </a:r>
+                    </a:p>
+                  </a:txBody>
+                </a:tc>
+              </a:tr>
+              <a:tr h="0">
+                <a:tc>
+                  <a:txBody>
+                    <a:bodyPr/>
+                    <a:lstStyle/>
+                    <a:p>
+                      <a:pPr lvl="0" indent="0" marL="0">
+                        <a:buNone/>
+                      </a:pPr>
+                      <a:r>
+                        <a:rPr/>
+                        <a:t>Tarsus Length</a:t>
+                      </a:r>
+                    </a:p>
+                  </a:txBody>
+                </a:tc>
+                <a:tc>
+                  <a:txBody>
+                    <a:bodyPr/>
+                    <a:lstStyle/>
+                    <a:p>
+                      <a:pPr lvl="0" indent="0" marL="0">
+                        <a:buNone/>
+                      </a:pPr>
+                      <a:r>
+                        <a:rPr/>
+                        <a:t>0.4335791</a:t>
+                      </a:r>
+                    </a:p>
+                  </a:txBody>
+                </a:tc>
+                <a:tc>
+                  <a:txBody>
+                    <a:bodyPr/>
+                    <a:lstStyle/>
+                    <a:p>
+                      <a:pPr lvl="0" indent="0" marL="0">
+                        <a:buNone/>
+                      </a:pPr>
+                      <a:r>
+                        <a:rPr/>
+                        <a:t>-0.33812703</a:t>
+                      </a:r>
+                    </a:p>
+                  </a:txBody>
+                </a:tc>
+              </a:tr>
+              <a:tr h="0">
+                <a:tc>
+                  <a:txBody>
+                    <a:bodyPr/>
+                    <a:lstStyle/>
+                    <a:p>
+                      <a:pPr lvl="0" indent="0" marL="0">
+                        <a:buNone/>
+                      </a:pPr>
+                      <a:r>
+                        <a:rPr/>
+                        <a:t>Thorax Length</a:t>
+                      </a:r>
+                    </a:p>
+                  </a:txBody>
+                </a:tc>
+                <a:tc>
+                  <a:txBody>
+                    <a:bodyPr/>
+                    <a:lstStyle/>
+                    <a:p>
+                      <a:pPr lvl="0" indent="0" marL="0">
+                        <a:buNone/>
+                      </a:pPr>
+                      <a:r>
+                        <a:rPr/>
+                        <a:t>0.1686874</a:t>
+                      </a:r>
+                    </a:p>
+                  </a:txBody>
+                </a:tc>
+                <a:tc>
+                  <a:txBody>
+                    <a:bodyPr/>
+                    <a:lstStyle/>
+                    <a:p>
+                      <a:pPr lvl="0" indent="0" marL="0">
+                        <a:buNone/>
+                      </a:pPr>
+                      <a:r>
+                        <a:rPr/>
+                        <a:t>-0.84341247</a:t>
+                      </a:r>
+                    </a:p>
+                  </a:txBody>
+                </a:tc>
+              </a:tr>
+            </a:tbl>
+          </a:graphicData>
+        </a:graphic>
+      </p:graphicFrame>
     </p:spTree>
   </p:cSld>
 </p:sld>

--- a/SexDimDPro.pptx
+++ b/SexDimDPro.pptx
@@ -11,6 +11,7 @@
     <p:sldId id="259" r:id="rId5"/>
     <p:sldId id="260" r:id="rId6"/>
     <p:sldId id="261" r:id="rId7"/>
+    <p:sldId id="262" r:id="rId8"/>
   </p:sldIdLst>
   <p:sldSz cx="9144000" cy="5143500" type="screen16x9"/>
   <p:notesSz cx="6858000" cy="9144000"/>
@@ -4100,6 +4101,83 @@
           </a:graphicData>
         </a:graphic>
       </p:graphicFrame>
+    </p:spTree>
+  </p:cSld>
+</p:sld>
+</file>
+
+<file path=ppt/slides/slide7.xml><?xml version="1.0" encoding="utf-8"?>
+<p:sld xmlns:a="http://schemas.openxmlformats.org/drawingml/2006/main" xmlns:r="http://schemas.openxmlformats.org/officeDocument/2006/relationships" xmlns:p="http://schemas.openxmlformats.org/presentationml/2006/main">
+  <p:cSld>
+    <p:spTree>
+      <p:nvGrpSpPr>
+        <p:cNvPr id="1" name=""/>
+        <p:cNvGrpSpPr/>
+        <p:nvPr/>
+      </p:nvGrpSpPr>
+      <p:grpSpPr>
+        <a:xfrm>
+          <a:off x="0" y="0"/>
+          <a:ext cx="0" cy="0"/>
+          <a:chOff x="0" y="0"/>
+          <a:chExt cx="0" cy="0"/>
+        </a:xfrm>
+      </p:grpSpPr>
+      <p:sp>
+        <p:nvSpPr>
+          <p:cNvPr id="2" name="Title 1"/>
+          <p:cNvSpPr>
+            <a:spLocks noGrp="1"/>
+          </p:cNvSpPr>
+          <p:nvPr>
+            <p:ph type="title"/>
+          </p:nvPr>
+        </p:nvSpPr>
+        <p:spPr/>
+        <p:txBody>
+          <a:bodyPr/>
+          <a:lstStyle/>
+          <a:p>
+            <a:pPr lvl="0" indent="0" marL="0">
+              <a:buNone/>
+            </a:pPr>
+            <a:r>
+              <a:rPr/>
+              <a:t>Multivariate Analysis</a:t>
+            </a:r>
+          </a:p>
+        </p:txBody>
+      </p:sp>
+      <p:pic>
+        <p:nvPicPr>
+          <p:cNvPr descr="SexDimDPro_files/figure-pptx/Multivariate%20Slide-1.png" id="0" name="Picture 1"/>
+          <p:cNvPicPr>
+            <a:picLocks noGrp="1" noChangeAspect="1"/>
+          </p:cNvPicPr>
+          <p:nvPr/>
+        </p:nvPicPr>
+        <p:blipFill>
+          <a:blip r:embed="rId2"/>
+          <a:stretch>
+            <a:fillRect/>
+          </a:stretch>
+        </p:blipFill>
+        <p:spPr bwMode="auto">
+          <a:xfrm>
+            <a:off x="2451100" y="1193800"/>
+            <a:ext cx="4241800" cy="3390900"/>
+          </a:xfrm>
+          <a:prstGeom prst="rect">
+            <a:avLst/>
+          </a:prstGeom>
+          <a:noFill/>
+          <a:ln w="9525">
+            <a:noFill/>
+            <a:headEnd/>
+            <a:tailEnd/>
+          </a:ln>
+        </p:spPr>
+      </p:pic>
     </p:spTree>
   </p:cSld>
 </p:sld>

--- a/SexDimDPro.pptx
+++ b/SexDimDPro.pptx
@@ -12,6 +12,7 @@
     <p:sldId id="260" r:id="rId6"/>
     <p:sldId id="261" r:id="rId7"/>
     <p:sldId id="262" r:id="rId8"/>
+    <p:sldId id="263" r:id="rId9"/>
   </p:sldIdLst>
   <p:sldSz cx="9144000" cy="5143500" type="screen16x9"/>
   <p:notesSz cx="6858000" cy="9144000"/>
@@ -3271,7 +3272,29 @@
             </a:r>
             <a:r>
               <a:rPr/>
-              <a:t>, it is reversed</a:t>
+              <a:t>, males are larger than females</a:t>
+            </a:r>
+          </a:p>
+          <a:p>
+            <a:pPr lvl="1"/>
+            <a:r>
+              <a:rPr/>
+              <a:t>Additionally, there is a particular distinction between their forelegs</a:t>
+            </a:r>
+          </a:p>
+          <a:p>
+            <a:pPr lvl="0"/>
+            <a:r>
+              <a:rPr/>
+              <a:t>This makes </a:t>
+            </a:r>
+            <a:r>
+              <a:rPr i="1"/>
+              <a:t>D. prolongata</a:t>
+            </a:r>
+            <a:r>
+              <a:rPr/>
+              <a:t> an excellent model for investigating how sexual dimorphism influences developmental growth</a:t>
             </a:r>
           </a:p>
         </p:txBody>
@@ -4107,6 +4130,280 @@
 </file>
 
 <file path=ppt/slides/slide7.xml><?xml version="1.0" encoding="utf-8"?>
+<p:sld xmlns:a="http://schemas.openxmlformats.org/drawingml/2006/main" xmlns:r="http://schemas.openxmlformats.org/officeDocument/2006/relationships" xmlns:p="http://schemas.openxmlformats.org/presentationml/2006/main">
+  <p:cSld>
+    <p:spTree>
+      <p:nvGrpSpPr>
+        <p:cNvPr id="1" name=""/>
+        <p:cNvGrpSpPr/>
+        <p:nvPr/>
+      </p:nvGrpSpPr>
+      <p:grpSpPr>
+        <a:xfrm>
+          <a:off x="0" y="0"/>
+          <a:ext cx="0" cy="0"/>
+          <a:chOff x="0" y="0"/>
+          <a:chExt cx="0" cy="0"/>
+        </a:xfrm>
+      </p:grpSpPr>
+      <p:sp>
+        <p:nvSpPr>
+          <p:cNvPr id="2" name="Title 1"/>
+          <p:cNvSpPr>
+            <a:spLocks noGrp="1"/>
+          </p:cNvSpPr>
+          <p:nvPr>
+            <p:ph type="title"/>
+          </p:nvPr>
+        </p:nvSpPr>
+        <p:spPr/>
+        <p:txBody>
+          <a:bodyPr/>
+          <a:lstStyle/>
+          <a:p>
+            <a:pPr lvl="0" indent="0" marL="0">
+              <a:buNone/>
+            </a:pPr>
+            <a:r>
+              <a:rPr/>
+              <a:t>Checking For Data Isometry</a:t>
+            </a:r>
+          </a:p>
+        </p:txBody>
+      </p:sp>
+      <p:sp>
+        <p:nvSpPr>
+          <p:cNvPr id="3" name="Content Placeholder 2"/>
+          <p:cNvSpPr>
+            <a:spLocks noGrp="1"/>
+          </p:cNvSpPr>
+          <p:nvPr>
+            <p:ph idx="1" sz="half"/>
+          </p:nvPr>
+        </p:nvSpPr>
+        <p:spPr/>
+        <p:txBody>
+          <a:bodyPr/>
+          <a:lstStyle/>
+          <a:p>
+            <a:pPr lvl="0"/>
+            <a:r>
+              <a:rPr/>
+              <a:t>Since we are using a multivariate model on log-transformed data, we want to check that our loadings indicate isometry</a:t>
+            </a:r>
+          </a:p>
+          <a:p>
+            <a:pPr lvl="0"/>
+            <a:r>
+              <a:rPr/>
+              <a:t>This way, we can ensure that we have controlled for all non-size variation</a:t>
+            </a:r>
+          </a:p>
+          <a:p>
+            <a:pPr lvl="0"/>
+            <a:r>
+              <a:rPr/>
+              <a:t>Isometry is indicated when all PC1 loadings are equal to 1/√n</a:t>
+            </a:r>
+          </a:p>
+        </p:txBody>
+      </p:sp>
+      <p:graphicFrame>
+        <p:nvGraphicFramePr>
+          <p:cNvPr id="6" name="Content Placeholder 5"/>
+          <p:cNvGraphicFramePr>
+            <a:graphicFrameLocks noGrp="1"/>
+          </p:cNvGraphicFramePr>
+          <p:nvPr>
+            <p:ph idx="1"/>
+          </p:nvPr>
+        </p:nvGraphicFramePr>
+        <p:xfrm>
+          <a:off x="4648200" y="1193800"/>
+          <a:ext cx="4038600" cy="3390900"/>
+        </p:xfrm>
+        <a:graphic>
+          <a:graphicData uri="http://schemas.openxmlformats.org/drawingml/2006/table">
+            <a:tbl>
+              <a:tblPr firstRow="1" bandRow="1">
+                <a:tableStyleId>{5C22544A-7EE6-4342-B048-85BDC9FD1C3A}</a:tableStyleId>
+              </a:tblPr>
+              <a:tblGrid>
+                <a:gridCol w="2019300"/>
+                <a:gridCol w="2019300"/>
+              </a:tblGrid>
+              <a:tr h="0">
+                <a:tc>
+                  <a:txBody>
+                    <a:bodyPr/>
+                    <a:lstStyle/>
+                    <a:p>
+                      <a:pPr lvl="0" indent="0" marL="0">
+                        <a:buNone/>
+                      </a:pPr>
+                      <a:r>
+                        <a:rPr/>
+                        <a:t>Trait</a:t>
+                      </a:r>
+                    </a:p>
+                  </a:txBody>
+                  <a:tcPr/>
+                </a:tc>
+                <a:tc>
+                  <a:txBody>
+                    <a:bodyPr/>
+                    <a:lstStyle/>
+                    <a:p>
+                      <a:pPr lvl="0" indent="0" marL="0">
+                        <a:buNone/>
+                      </a:pPr>
+                      <a:r>
+                        <a:rPr/>
+                        <a:t>PC1 Loadings</a:t>
+                      </a:r>
+                    </a:p>
+                  </a:txBody>
+                  <a:tcPr/>
+                </a:tc>
+              </a:tr>
+              <a:tr h="0">
+                <a:tc>
+                  <a:txBody>
+                    <a:bodyPr/>
+                    <a:lstStyle/>
+                    <a:p>
+                      <a:pPr lvl="0" indent="0" marL="0">
+                        <a:buNone/>
+                      </a:pPr>
+                      <a:r>
+                        <a:rPr/>
+                        <a:t>Tibia Length</a:t>
+                      </a:r>
+                    </a:p>
+                  </a:txBody>
+                </a:tc>
+                <a:tc>
+                  <a:txBody>
+                    <a:bodyPr/>
+                    <a:lstStyle/>
+                    <a:p>
+                      <a:pPr lvl="0" indent="0" marL="0">
+                        <a:buNone/>
+                      </a:pPr>
+                      <a:r>
+                        <a:rPr/>
+                        <a:t>0.4987080</a:t>
+                      </a:r>
+                    </a:p>
+                  </a:txBody>
+                </a:tc>
+              </a:tr>
+              <a:tr h="0">
+                <a:tc>
+                  <a:txBody>
+                    <a:bodyPr/>
+                    <a:lstStyle/>
+                    <a:p>
+                      <a:pPr lvl="0" indent="0" marL="0">
+                        <a:buNone/>
+                      </a:pPr>
+                      <a:r>
+                        <a:rPr/>
+                        <a:t>Tibia Width</a:t>
+                      </a:r>
+                    </a:p>
+                  </a:txBody>
+                </a:tc>
+                <a:tc>
+                  <a:txBody>
+                    <a:bodyPr/>
+                    <a:lstStyle/>
+                    <a:p>
+                      <a:pPr lvl="0" indent="0" marL="0">
+                        <a:buNone/>
+                      </a:pPr>
+                      <a:r>
+                        <a:rPr/>
+                        <a:t>0.7313304</a:t>
+                      </a:r>
+                    </a:p>
+                  </a:txBody>
+                </a:tc>
+              </a:tr>
+              <a:tr h="0">
+                <a:tc>
+                  <a:txBody>
+                    <a:bodyPr/>
+                    <a:lstStyle/>
+                    <a:p>
+                      <a:pPr lvl="0" indent="0" marL="0">
+                        <a:buNone/>
+                      </a:pPr>
+                      <a:r>
+                        <a:rPr/>
+                        <a:t>Tarsus Length</a:t>
+                      </a:r>
+                    </a:p>
+                  </a:txBody>
+                </a:tc>
+                <a:tc>
+                  <a:txBody>
+                    <a:bodyPr/>
+                    <a:lstStyle/>
+                    <a:p>
+                      <a:pPr lvl="0" indent="0" marL="0">
+                        <a:buNone/>
+                      </a:pPr>
+                      <a:r>
+                        <a:rPr/>
+                        <a:t>0.4335791</a:t>
+                      </a:r>
+                    </a:p>
+                  </a:txBody>
+                </a:tc>
+              </a:tr>
+              <a:tr h="0">
+                <a:tc>
+                  <a:txBody>
+                    <a:bodyPr/>
+                    <a:lstStyle/>
+                    <a:p>
+                      <a:pPr lvl="0" indent="0" marL="0">
+                        <a:buNone/>
+                      </a:pPr>
+                      <a:r>
+                        <a:rPr/>
+                        <a:t>Thorax Length</a:t>
+                      </a:r>
+                    </a:p>
+                  </a:txBody>
+                </a:tc>
+                <a:tc>
+                  <a:txBody>
+                    <a:bodyPr/>
+                    <a:lstStyle/>
+                    <a:p>
+                      <a:pPr lvl="0" indent="0" marL="0">
+                        <a:buNone/>
+                      </a:pPr>
+                      <a:r>
+                        <a:rPr/>
+                        <a:t>0.1686874</a:t>
+                      </a:r>
+                    </a:p>
+                  </a:txBody>
+                </a:tc>
+              </a:tr>
+            </a:tbl>
+          </a:graphicData>
+        </a:graphic>
+      </p:graphicFrame>
+    </p:spTree>
+  </p:cSld>
+</p:sld>
+</file>
+
+<file path=ppt/slides/slide8.xml><?xml version="1.0" encoding="utf-8"?>
 <p:sld xmlns:a="http://schemas.openxmlformats.org/drawingml/2006/main" xmlns:r="http://schemas.openxmlformats.org/officeDocument/2006/relationships" xmlns:p="http://schemas.openxmlformats.org/presentationml/2006/main">
   <p:cSld>
     <p:spTree>

--- a/SexDimDPro.pptx
+++ b/SexDimDPro.pptx
@@ -13,6 +13,7 @@
     <p:sldId id="261" r:id="rId7"/>
     <p:sldId id="262" r:id="rId8"/>
     <p:sldId id="263" r:id="rId9"/>
+    <p:sldId id="264" r:id="rId10"/>
   </p:sldIdLst>
   <p:sldSz cx="9144000" cy="5143500" type="screen16x9"/>
   <p:notesSz cx="6858000" cy="9144000"/>
@@ -4404,6 +4405,58 @@
 </file>
 
 <file path=ppt/slides/slide8.xml><?xml version="1.0" encoding="utf-8"?>
+<p:sld xmlns:a="http://schemas.openxmlformats.org/drawingml/2006/main" xmlns:r="http://schemas.openxmlformats.org/officeDocument/2006/relationships" xmlns:p="http://schemas.openxmlformats.org/presentationml/2006/main">
+  <p:cSld>
+    <p:spTree>
+      <p:nvGrpSpPr>
+        <p:cNvPr id="1" name=""/>
+        <p:cNvGrpSpPr/>
+        <p:nvPr/>
+      </p:nvGrpSpPr>
+      <p:grpSpPr>
+        <a:xfrm>
+          <a:off x="0" y="0"/>
+          <a:ext cx="0" cy="0"/>
+          <a:chOff x="0" y="0"/>
+          <a:chExt cx="0" cy="0"/>
+        </a:xfrm>
+      </p:grpSpPr>
+      <p:pic>
+        <p:nvPicPr>
+          <p:cNvPr descr="SexDimDPro_files/figure-pptx/correlation-1.png" id="0" name="Picture 1"/>
+          <p:cNvPicPr>
+            <a:picLocks noGrp="1" noChangeAspect="1"/>
+          </p:cNvPicPr>
+          <p:nvPr/>
+        </p:nvPicPr>
+        <p:blipFill>
+          <a:blip r:embed="rId2"/>
+          <a:stretch>
+            <a:fillRect/>
+          </a:stretch>
+        </p:blipFill>
+        <p:spPr bwMode="auto">
+          <a:xfrm>
+            <a:off x="2451100" y="1193800"/>
+            <a:ext cx="4241800" cy="3390900"/>
+          </a:xfrm>
+          <a:prstGeom prst="rect">
+            <a:avLst/>
+          </a:prstGeom>
+          <a:noFill/>
+          <a:ln w="9525">
+            <a:noFill/>
+            <a:headEnd/>
+            <a:tailEnd/>
+          </a:ln>
+        </p:spPr>
+      </p:pic>
+    </p:spTree>
+  </p:cSld>
+</p:sld>
+</file>
+
+<file path=ppt/slides/slide9.xml><?xml version="1.0" encoding="utf-8"?>
 <p:sld xmlns:a="http://schemas.openxmlformats.org/drawingml/2006/main" xmlns:r="http://schemas.openxmlformats.org/officeDocument/2006/relationships" xmlns:p="http://schemas.openxmlformats.org/presentationml/2006/main">
   <p:cSld>
     <p:spTree>

--- a/SexDimDPro.pptx
+++ b/SexDimDPro.pptx
@@ -14,6 +14,7 @@
     <p:sldId id="262" r:id="rId8"/>
     <p:sldId id="263" r:id="rId9"/>
     <p:sldId id="264" r:id="rId10"/>
+    <p:sldId id="265" r:id="rId11"/>
   </p:sldIdLst>
   <p:sldSz cx="9144000" cy="5143500" type="screen16x9"/>
   <p:notesSz cx="6858000" cy="9144000"/>
@@ -3190,7 +3191,267 @@
 </p:sld>
 </file>
 
+<file path=ppt/slides/slide10.xml><?xml version="1.0" encoding="utf-8"?>
+<p:sld xmlns:a="http://schemas.openxmlformats.org/drawingml/2006/main" xmlns:r="http://schemas.openxmlformats.org/officeDocument/2006/relationships" xmlns:p="http://schemas.openxmlformats.org/presentationml/2006/main">
+  <p:cSld>
+    <p:spTree>
+      <p:nvGrpSpPr>
+        <p:cNvPr id="1" name=""/>
+        <p:cNvGrpSpPr/>
+        <p:nvPr/>
+      </p:nvGrpSpPr>
+      <p:grpSpPr>
+        <a:xfrm>
+          <a:off x="0" y="0"/>
+          <a:ext cx="0" cy="0"/>
+          <a:chOff x="0" y="0"/>
+          <a:chExt cx="0" cy="0"/>
+        </a:xfrm>
+      </p:grpSpPr>
+      <p:sp>
+        <p:nvSpPr>
+          <p:cNvPr id="2" name="Title 1"/>
+          <p:cNvSpPr>
+            <a:spLocks noGrp="1"/>
+          </p:cNvSpPr>
+          <p:nvPr>
+            <p:ph type="title"/>
+          </p:nvPr>
+        </p:nvSpPr>
+        <p:spPr/>
+        <p:txBody>
+          <a:bodyPr/>
+          <a:lstStyle/>
+          <a:p>
+            <a:pPr lvl="0" indent="0" marL="0">
+              <a:buNone/>
+            </a:pPr>
+            <a:r>
+              <a:rPr/>
+              <a:t>References</a:t>
+            </a:r>
+          </a:p>
+        </p:txBody>
+      </p:sp>
+      <p:sp>
+        <p:nvSpPr>
+          <p:cNvPr id="3" name="Content Placeholder 2"/>
+          <p:cNvSpPr>
+            <a:spLocks noGrp="1"/>
+          </p:cNvSpPr>
+          <p:nvPr>
+            <p:ph idx="1"/>
+          </p:nvPr>
+        </p:nvSpPr>
+        <p:spPr/>
+        <p:txBody>
+          <a:bodyPr/>
+          <a:lstStyle/>
+          <a:p>
+            <a:pPr lvl="0" indent="0" marL="0">
+              <a:buNone/>
+            </a:pPr>
+            <a:r>
+              <a:rPr/>
+              <a:t>Jolicoeur, P. (1963). 193. Note: The Multivariate Generalization of the Allometry Equation. Biometrics, 19(3), 497–499. </a:t>
+            </a:r>
+            <a:r>
+              <a:rPr>
+                <a:hlinkClick r:id="rId2"/>
+              </a:rPr>
+              <a:t>https://doi.org/10.2307/2527939</a:t>
+            </a:r>
+          </a:p>
+          <a:p>
+            <a:pPr lvl="0" indent="0" marL="0">
+              <a:buNone/>
+            </a:pPr>
+            <a:r>
+              <a:rPr/>
+              <a:t>Pesevski, M. (2021). Influence of environmental variation on sexual dimorphism in Drosophila morphology among adaptively diverged populations and in an inter-specific comparative context. [Thesis]. </a:t>
+            </a:r>
+            <a:r>
+              <a:rPr>
+                <a:hlinkClick r:id="rId3"/>
+              </a:rPr>
+              <a:t>https://macsphere.mcmaster.ca/handle/11375/26936</a:t>
+            </a:r>
+          </a:p>
+          <a:p>
+            <a:pPr lvl="0" indent="0" marL="0">
+              <a:buNone/>
+            </a:pPr>
+            <a:r>
+              <a:rPr/>
+              <a:t>Setoguchi, S., Takamori, H., Aotsuka, T., Sese, J., &amp; Matsuo, T. (2014). Sexual dimorphism and courtship behavior in Drosophila prolongata. Journal of Ethology, 32. </a:t>
+            </a:r>
+            <a:r>
+              <a:rPr>
+                <a:hlinkClick r:id="rId4"/>
+              </a:rPr>
+              <a:t>https://doi.org/10.1007/s10164-014-0399-z\</a:t>
+            </a:r>
+          </a:p>
+        </p:txBody>
+      </p:sp>
+    </p:spTree>
+  </p:cSld>
+</p:sld>
+</file>
+
 <file path=ppt/slides/slide2.xml><?xml version="1.0" encoding="utf-8"?>
+<p:sld xmlns:a="http://schemas.openxmlformats.org/drawingml/2006/main" xmlns:r="http://schemas.openxmlformats.org/officeDocument/2006/relationships" xmlns:p="http://schemas.openxmlformats.org/presentationml/2006/main">
+  <p:cSld>
+    <p:spTree>
+      <p:nvGrpSpPr>
+        <p:cNvPr id="1" name=""/>
+        <p:cNvGrpSpPr/>
+        <p:nvPr/>
+      </p:nvGrpSpPr>
+      <p:grpSpPr>
+        <a:xfrm>
+          <a:off x="0" y="0"/>
+          <a:ext cx="0" cy="0"/>
+          <a:chOff x="0" y="0"/>
+          <a:chExt cx="0" cy="0"/>
+        </a:xfrm>
+      </p:grpSpPr>
+      <p:sp>
+        <p:nvSpPr>
+          <p:cNvPr id="2" name="Title 1"/>
+          <p:cNvSpPr>
+            <a:spLocks noGrp="1"/>
+          </p:cNvSpPr>
+          <p:nvPr>
+            <p:ph type="title"/>
+          </p:nvPr>
+        </p:nvSpPr>
+        <p:spPr/>
+        <p:txBody>
+          <a:bodyPr/>
+          <a:lstStyle/>
+          <a:p>
+            <a:pPr lvl="0" indent="0" marL="0">
+              <a:buNone/>
+            </a:pPr>
+            <a:r>
+              <a:rPr/>
+              <a:t>Experiment</a:t>
+            </a:r>
+          </a:p>
+        </p:txBody>
+      </p:sp>
+      <p:sp>
+        <p:nvSpPr>
+          <p:cNvPr id="3" name="Content Placeholder 2"/>
+          <p:cNvSpPr>
+            <a:spLocks noGrp="1"/>
+          </p:cNvSpPr>
+          <p:nvPr>
+            <p:ph idx="1" sz="half"/>
+          </p:nvPr>
+        </p:nvSpPr>
+        <p:spPr/>
+        <p:txBody>
+          <a:bodyPr/>
+          <a:lstStyle/>
+          <a:p>
+            <a:pPr lvl="0" indent="0" marL="0">
+              <a:spcBef>
+                <a:spcPts val="3000"/>
+              </a:spcBef>
+              <a:buNone/>
+            </a:pPr>
+            <a:r>
+              <a:rPr b="1"/>
+              <a:t>Treatment</a:t>
+            </a:r>
+          </a:p>
+          <a:p>
+            <a:pPr lvl="0"/>
+            <a:r>
+              <a:rPr/>
+              <a:t>27 species from </a:t>
+            </a:r>
+            <a:r>
+              <a:rPr i="1"/>
+              <a:t>D. melanogaster</a:t>
+            </a:r>
+            <a:r>
+              <a:rPr/>
+              <a:t> species group used</a:t>
+            </a:r>
+          </a:p>
+          <a:p>
+            <a:pPr lvl="1"/>
+            <a:r>
+              <a:rPr/>
+              <a:t>Our analysis just focuses on </a:t>
+            </a:r>
+            <a:r>
+              <a:rPr i="1"/>
+              <a:t>D. prolongata</a:t>
+            </a:r>
+          </a:p>
+          <a:p>
+            <a:pPr lvl="0"/>
+            <a:r>
+              <a:rPr/>
+              <a:t>Each group was exposed to increasing periods of starvation during larval development</a:t>
+            </a:r>
+          </a:p>
+          <a:p>
+            <a:pPr lvl="0" indent="0" marL="0">
+              <a:buNone/>
+            </a:pPr>
+            <a:r>
+              <a:rPr/>
+              <a:t>(Pesevski, 2021)</a:t>
+            </a:r>
+          </a:p>
+        </p:txBody>
+      </p:sp>
+      <p:sp>
+        <p:nvSpPr>
+          <p:cNvPr id="4" name="Content Placeholder 3"/>
+          <p:cNvSpPr>
+            <a:spLocks noGrp="1"/>
+          </p:cNvSpPr>
+          <p:nvPr>
+            <p:ph idx="2" sz="half"/>
+          </p:nvPr>
+        </p:nvSpPr>
+        <p:spPr/>
+        <p:txBody>
+          <a:bodyPr/>
+          <a:lstStyle/>
+          <a:p>
+            <a:pPr lvl="0" indent="0" marL="0">
+              <a:spcBef>
+                <a:spcPts val="3000"/>
+              </a:spcBef>
+              <a:buNone/>
+            </a:pPr>
+            <a:r>
+              <a:rPr b="1"/>
+              <a:t>Hypothesis</a:t>
+            </a:r>
+          </a:p>
+          <a:p>
+            <a:pPr lvl="0"/>
+            <a:r>
+              <a:rPr/>
+              <a:t>It was predicted that traits and species that were more sexually dimorphic would be more condition dependent than those that were less dimorphic</a:t>
+            </a:r>
+          </a:p>
+        </p:txBody>
+      </p:sp>
+    </p:spTree>
+  </p:cSld>
+</p:sld>
+</file>
+
+<file path=ppt/slides/slide3.xml><?xml version="1.0" encoding="utf-8"?>
 <p:sld xmlns:a="http://schemas.openxmlformats.org/drawingml/2006/main" xmlns:r="http://schemas.openxmlformats.org/officeDocument/2006/relationships" xmlns:p="http://schemas.openxmlformats.org/presentationml/2006/main">
   <p:cSld>
     <p:spTree>
@@ -3376,149 +3637,6 @@
             <a:r>
               <a:rPr i="1"/>
               <a:t>adapted from Setoguchi et al. (2014)</a:t>
-            </a:r>
-          </a:p>
-        </p:txBody>
-      </p:sp>
-    </p:spTree>
-  </p:cSld>
-</p:sld>
-</file>
-
-<file path=ppt/slides/slide3.xml><?xml version="1.0" encoding="utf-8"?>
-<p:sld xmlns:a="http://schemas.openxmlformats.org/drawingml/2006/main" xmlns:r="http://schemas.openxmlformats.org/officeDocument/2006/relationships" xmlns:p="http://schemas.openxmlformats.org/presentationml/2006/main">
-  <p:cSld>
-    <p:spTree>
-      <p:nvGrpSpPr>
-        <p:cNvPr id="1" name=""/>
-        <p:cNvGrpSpPr/>
-        <p:nvPr/>
-      </p:nvGrpSpPr>
-      <p:grpSpPr>
-        <a:xfrm>
-          <a:off x="0" y="0"/>
-          <a:ext cx="0" cy="0"/>
-          <a:chOff x="0" y="0"/>
-          <a:chExt cx="0" cy="0"/>
-        </a:xfrm>
-      </p:grpSpPr>
-      <p:sp>
-        <p:nvSpPr>
-          <p:cNvPr id="2" name="Title 1"/>
-          <p:cNvSpPr>
-            <a:spLocks noGrp="1"/>
-          </p:cNvSpPr>
-          <p:nvPr>
-            <p:ph type="title"/>
-          </p:nvPr>
-        </p:nvSpPr>
-        <p:spPr/>
-        <p:txBody>
-          <a:bodyPr/>
-          <a:lstStyle/>
-          <a:p>
-            <a:pPr lvl="0" indent="0" marL="0">
-              <a:buNone/>
-            </a:pPr>
-            <a:r>
-              <a:rPr/>
-              <a:t>Experiment</a:t>
-            </a:r>
-          </a:p>
-        </p:txBody>
-      </p:sp>
-      <p:sp>
-        <p:nvSpPr>
-          <p:cNvPr id="3" name="Content Placeholder 2"/>
-          <p:cNvSpPr>
-            <a:spLocks noGrp="1"/>
-          </p:cNvSpPr>
-          <p:nvPr>
-            <p:ph idx="1" sz="half"/>
-          </p:nvPr>
-        </p:nvSpPr>
-        <p:spPr/>
-        <p:txBody>
-          <a:bodyPr/>
-          <a:lstStyle/>
-          <a:p>
-            <a:pPr lvl="0" indent="0" marL="0">
-              <a:spcBef>
-                <a:spcPts val="3000"/>
-              </a:spcBef>
-              <a:buNone/>
-            </a:pPr>
-            <a:r>
-              <a:rPr b="1"/>
-              <a:t>Treatment</a:t>
-            </a:r>
-          </a:p>
-          <a:p>
-            <a:pPr lvl="0"/>
-            <a:r>
-              <a:rPr/>
-              <a:t>27 species from </a:t>
-            </a:r>
-            <a:r>
-              <a:rPr i="1"/>
-              <a:t>D. melanogaster</a:t>
-            </a:r>
-            <a:r>
-              <a:rPr/>
-              <a:t> species group used</a:t>
-            </a:r>
-          </a:p>
-          <a:p>
-            <a:pPr lvl="1"/>
-            <a:r>
-              <a:rPr/>
-              <a:t>Our analysis just focuses on </a:t>
-            </a:r>
-            <a:r>
-              <a:rPr i="1"/>
-              <a:t>D. prolongata</a:t>
-            </a:r>
-          </a:p>
-          <a:p>
-            <a:pPr lvl="0"/>
-            <a:r>
-              <a:rPr/>
-              <a:t>Each group was exposed to increasing periods of starvation during larval development</a:t>
-            </a:r>
-          </a:p>
-        </p:txBody>
-      </p:sp>
-      <p:sp>
-        <p:nvSpPr>
-          <p:cNvPr id="4" name="Content Placeholder 3"/>
-          <p:cNvSpPr>
-            <a:spLocks noGrp="1"/>
-          </p:cNvSpPr>
-          <p:nvPr>
-            <p:ph idx="2" sz="half"/>
-          </p:nvPr>
-        </p:nvSpPr>
-        <p:spPr/>
-        <p:txBody>
-          <a:bodyPr/>
-          <a:lstStyle/>
-          <a:p>
-            <a:pPr lvl="0" indent="0" marL="0">
-              <a:spcBef>
-                <a:spcPts val="3000"/>
-              </a:spcBef>
-              <a:buNone/>
-            </a:pPr>
-            <a:r>
-              <a:rPr b="1"/>
-              <a:t>Hypothesis</a:t>
-            </a:r>
-          </a:p>
-          <a:p>
-            <a:pPr lvl="0"/>
-            <a:r>
-              <a:rPr/>
-              <a:t>It was predicted that traits and species that were more sexually dimorphic would be more condition dependent than those that were less dimorphic</a:t>
             </a:r>
           </a:p>
         </p:txBody>
@@ -4204,7 +4322,7 @@
             <a:pPr lvl="0"/>
             <a:r>
               <a:rPr/>
-              <a:t>Isometry is indicated when all PC1 loadings are equal to 1/√n</a:t>
+              <a:t>Isometry is indicated when all PC1 loadings are equal to 1/√n (Jolicoeur, 1963)</a:t>
             </a:r>
           </a:p>
         </p:txBody>
@@ -4421,6 +4539,31 @@
           <a:chExt cx="0" cy="0"/>
         </a:xfrm>
       </p:grpSpPr>
+      <p:sp>
+        <p:nvSpPr>
+          <p:cNvPr id="2" name="Title 1"/>
+          <p:cNvSpPr>
+            <a:spLocks noGrp="1"/>
+          </p:cNvSpPr>
+          <p:nvPr>
+            <p:ph type="title"/>
+          </p:nvPr>
+        </p:nvSpPr>
+        <p:spPr/>
+        <p:txBody>
+          <a:bodyPr/>
+          <a:lstStyle/>
+          <a:p>
+            <a:pPr lvl="0" indent="0" marL="0">
+              <a:buNone/>
+            </a:pPr>
+            <a:r>
+              <a:rPr/>
+              <a:t>Multivariate Analysis: Why?</a:t>
+            </a:r>
+          </a:p>
+        </p:txBody>
+      </p:sp>
       <p:pic>
         <p:nvPicPr>
           <p:cNvPr descr="SexDimDPro_files/figure-pptx/correlation-1.png" id="0" name="Picture 1"/>

--- a/SexDimDPro.pptx
+++ b/SexDimDPro.pptx
@@ -3731,7 +3731,7 @@
             <a:pPr lvl="1"/>
             <a:r>
               <a:rPr/>
-              <a:t>will allow us to investigate size without the influence of shape</a:t>
+              <a:t>allows us to investigate size without the influence of shape</a:t>
             </a:r>
           </a:p>
           <a:p>
@@ -3746,6 +3746,20 @@
             <a:r>
               <a:rPr/>
               <a:t>allows us to investigate proportional size differences instead of absolute</a:t>
+            </a:r>
+          </a:p>
+          <a:p>
+            <a:pPr lvl="0"/>
+            <a:r>
+              <a:rPr/>
+              <a:t>Multivariate Analysis</a:t>
+            </a:r>
+          </a:p>
+          <a:p>
+            <a:pPr lvl="1"/>
+            <a:r>
+              <a:rPr/>
+              <a:t>allows us to investigate each trait’s relationship to the others with respect to size data</a:t>
             </a:r>
           </a:p>
         </p:txBody>

--- a/SexDimDPro.pptx
+++ b/SexDimDPro.pptx
@@ -13,6 +13,8 @@
     <p:sldId id="261" r:id="rId7"/>
     <p:sldId id="262" r:id="rId8"/>
     <p:sldId id="263" r:id="rId9"/>
+    <p:sldId id="264" r:id="rId10"/>
+    <p:sldId id="265" r:id="rId11"/>
   </p:sldIdLst>
   <p:sldSz cx="9144000" cy="5143500" type="screen16x9"/>
   <p:notesSz cx="6858000" cy="9144000"/>
@@ -3189,7 +3191,267 @@
 </p:sld>
 </file>
 
+<file path=ppt/slides/slide10.xml><?xml version="1.0" encoding="utf-8"?>
+<p:sld xmlns:a="http://schemas.openxmlformats.org/drawingml/2006/main" xmlns:r="http://schemas.openxmlformats.org/officeDocument/2006/relationships" xmlns:p="http://schemas.openxmlformats.org/presentationml/2006/main">
+  <p:cSld>
+    <p:spTree>
+      <p:nvGrpSpPr>
+        <p:cNvPr id="1" name=""/>
+        <p:cNvGrpSpPr/>
+        <p:nvPr/>
+      </p:nvGrpSpPr>
+      <p:grpSpPr>
+        <a:xfrm>
+          <a:off x="0" y="0"/>
+          <a:ext cx="0" cy="0"/>
+          <a:chOff x="0" y="0"/>
+          <a:chExt cx="0" cy="0"/>
+        </a:xfrm>
+      </p:grpSpPr>
+      <p:sp>
+        <p:nvSpPr>
+          <p:cNvPr id="2" name="Title 1"/>
+          <p:cNvSpPr>
+            <a:spLocks noGrp="1"/>
+          </p:cNvSpPr>
+          <p:nvPr>
+            <p:ph type="title"/>
+          </p:nvPr>
+        </p:nvSpPr>
+        <p:spPr/>
+        <p:txBody>
+          <a:bodyPr/>
+          <a:lstStyle/>
+          <a:p>
+            <a:pPr lvl="0" indent="0" marL="0">
+              <a:buNone/>
+            </a:pPr>
+            <a:r>
+              <a:rPr/>
+              <a:t>References</a:t>
+            </a:r>
+          </a:p>
+        </p:txBody>
+      </p:sp>
+      <p:sp>
+        <p:nvSpPr>
+          <p:cNvPr id="3" name="Content Placeholder 2"/>
+          <p:cNvSpPr>
+            <a:spLocks noGrp="1"/>
+          </p:cNvSpPr>
+          <p:nvPr>
+            <p:ph idx="1"/>
+          </p:nvPr>
+        </p:nvSpPr>
+        <p:spPr/>
+        <p:txBody>
+          <a:bodyPr/>
+          <a:lstStyle/>
+          <a:p>
+            <a:pPr lvl="0" indent="0" marL="0">
+              <a:buNone/>
+            </a:pPr>
+            <a:r>
+              <a:rPr/>
+              <a:t>Jolicoeur, P. (1963). 193. Note: The Multivariate Generalization of the Allometry Equation. Biometrics, 19(3), 497–499. </a:t>
+            </a:r>
+            <a:r>
+              <a:rPr>
+                <a:hlinkClick r:id="rId2"/>
+              </a:rPr>
+              <a:t>https://doi.org/10.2307/2527939</a:t>
+            </a:r>
+          </a:p>
+          <a:p>
+            <a:pPr lvl="0" indent="0" marL="0">
+              <a:buNone/>
+            </a:pPr>
+            <a:r>
+              <a:rPr/>
+              <a:t>Pesevski, M. (2021). Influence of environmental variation on sexual dimorphism in Drosophila morphology among adaptively diverged populations and in an inter-specific comparative context. [Thesis]. </a:t>
+            </a:r>
+            <a:r>
+              <a:rPr>
+                <a:hlinkClick r:id="rId3"/>
+              </a:rPr>
+              <a:t>https://macsphere.mcmaster.ca/handle/11375/26936</a:t>
+            </a:r>
+          </a:p>
+          <a:p>
+            <a:pPr lvl="0" indent="0" marL="0">
+              <a:buNone/>
+            </a:pPr>
+            <a:r>
+              <a:rPr/>
+              <a:t>Setoguchi, S., Takamori, H., Aotsuka, T., Sese, J., &amp; Matsuo, T. (2014). Sexual dimorphism and courtship behavior in Drosophila prolongata. Journal of Ethology, 32. </a:t>
+            </a:r>
+            <a:r>
+              <a:rPr>
+                <a:hlinkClick r:id="rId4"/>
+              </a:rPr>
+              <a:t>https://doi.org/10.1007/s10164-014-0399-z\</a:t>
+            </a:r>
+          </a:p>
+        </p:txBody>
+      </p:sp>
+    </p:spTree>
+  </p:cSld>
+</p:sld>
+</file>
+
 <file path=ppt/slides/slide2.xml><?xml version="1.0" encoding="utf-8"?>
+<p:sld xmlns:a="http://schemas.openxmlformats.org/drawingml/2006/main" xmlns:r="http://schemas.openxmlformats.org/officeDocument/2006/relationships" xmlns:p="http://schemas.openxmlformats.org/presentationml/2006/main">
+  <p:cSld>
+    <p:spTree>
+      <p:nvGrpSpPr>
+        <p:cNvPr id="1" name=""/>
+        <p:cNvGrpSpPr/>
+        <p:nvPr/>
+      </p:nvGrpSpPr>
+      <p:grpSpPr>
+        <a:xfrm>
+          <a:off x="0" y="0"/>
+          <a:ext cx="0" cy="0"/>
+          <a:chOff x="0" y="0"/>
+          <a:chExt cx="0" cy="0"/>
+        </a:xfrm>
+      </p:grpSpPr>
+      <p:sp>
+        <p:nvSpPr>
+          <p:cNvPr id="2" name="Title 1"/>
+          <p:cNvSpPr>
+            <a:spLocks noGrp="1"/>
+          </p:cNvSpPr>
+          <p:nvPr>
+            <p:ph type="title"/>
+          </p:nvPr>
+        </p:nvSpPr>
+        <p:spPr/>
+        <p:txBody>
+          <a:bodyPr/>
+          <a:lstStyle/>
+          <a:p>
+            <a:pPr lvl="0" indent="0" marL="0">
+              <a:buNone/>
+            </a:pPr>
+            <a:r>
+              <a:rPr/>
+              <a:t>Experiment</a:t>
+            </a:r>
+          </a:p>
+        </p:txBody>
+      </p:sp>
+      <p:sp>
+        <p:nvSpPr>
+          <p:cNvPr id="3" name="Content Placeholder 2"/>
+          <p:cNvSpPr>
+            <a:spLocks noGrp="1"/>
+          </p:cNvSpPr>
+          <p:nvPr>
+            <p:ph idx="1" sz="half"/>
+          </p:nvPr>
+        </p:nvSpPr>
+        <p:spPr/>
+        <p:txBody>
+          <a:bodyPr/>
+          <a:lstStyle/>
+          <a:p>
+            <a:pPr lvl="0" indent="0" marL="0">
+              <a:spcBef>
+                <a:spcPts val="3000"/>
+              </a:spcBef>
+              <a:buNone/>
+            </a:pPr>
+            <a:r>
+              <a:rPr b="1"/>
+              <a:t>Treatment</a:t>
+            </a:r>
+          </a:p>
+          <a:p>
+            <a:pPr lvl="0"/>
+            <a:r>
+              <a:rPr/>
+              <a:t>27 species from </a:t>
+            </a:r>
+            <a:r>
+              <a:rPr i="1"/>
+              <a:t>D. melanogaster</a:t>
+            </a:r>
+            <a:r>
+              <a:rPr/>
+              <a:t> species group used</a:t>
+            </a:r>
+          </a:p>
+          <a:p>
+            <a:pPr lvl="1"/>
+            <a:r>
+              <a:rPr/>
+              <a:t>Our analysis just focuses on </a:t>
+            </a:r>
+            <a:r>
+              <a:rPr i="1"/>
+              <a:t>D. prolongata</a:t>
+            </a:r>
+          </a:p>
+          <a:p>
+            <a:pPr lvl="0"/>
+            <a:r>
+              <a:rPr/>
+              <a:t>Each group was exposed to increasing periods of starvation during larval development</a:t>
+            </a:r>
+          </a:p>
+          <a:p>
+            <a:pPr lvl="0" indent="0" marL="0">
+              <a:buNone/>
+            </a:pPr>
+            <a:r>
+              <a:rPr/>
+              <a:t>(Pesevski, 2021)</a:t>
+            </a:r>
+          </a:p>
+        </p:txBody>
+      </p:sp>
+      <p:sp>
+        <p:nvSpPr>
+          <p:cNvPr id="4" name="Content Placeholder 3"/>
+          <p:cNvSpPr>
+            <a:spLocks noGrp="1"/>
+          </p:cNvSpPr>
+          <p:nvPr>
+            <p:ph idx="2" sz="half"/>
+          </p:nvPr>
+        </p:nvSpPr>
+        <p:spPr/>
+        <p:txBody>
+          <a:bodyPr/>
+          <a:lstStyle/>
+          <a:p>
+            <a:pPr lvl="0" indent="0" marL="0">
+              <a:spcBef>
+                <a:spcPts val="3000"/>
+              </a:spcBef>
+              <a:buNone/>
+            </a:pPr>
+            <a:r>
+              <a:rPr b="1"/>
+              <a:t>Hypothesis</a:t>
+            </a:r>
+          </a:p>
+          <a:p>
+            <a:pPr lvl="0"/>
+            <a:r>
+              <a:rPr/>
+              <a:t>It was predicted that traits and species that were more sexually dimorphic would be more condition dependent than those that were less dimorphic</a:t>
+            </a:r>
+          </a:p>
+        </p:txBody>
+      </p:sp>
+    </p:spTree>
+  </p:cSld>
+</p:sld>
+</file>
+
+<file path=ppt/slides/slide3.xml><?xml version="1.0" encoding="utf-8"?>
 <p:sld xmlns:a="http://schemas.openxmlformats.org/drawingml/2006/main" xmlns:r="http://schemas.openxmlformats.org/officeDocument/2006/relationships" xmlns:p="http://schemas.openxmlformats.org/presentationml/2006/main">
   <p:cSld>
     <p:spTree>
@@ -3384,149 +3646,6 @@
 </p:sld>
 </file>
 
-<file path=ppt/slides/slide3.xml><?xml version="1.0" encoding="utf-8"?>
-<p:sld xmlns:a="http://schemas.openxmlformats.org/drawingml/2006/main" xmlns:r="http://schemas.openxmlformats.org/officeDocument/2006/relationships" xmlns:p="http://schemas.openxmlformats.org/presentationml/2006/main">
-  <p:cSld>
-    <p:spTree>
-      <p:nvGrpSpPr>
-        <p:cNvPr id="1" name=""/>
-        <p:cNvGrpSpPr/>
-        <p:nvPr/>
-      </p:nvGrpSpPr>
-      <p:grpSpPr>
-        <a:xfrm>
-          <a:off x="0" y="0"/>
-          <a:ext cx="0" cy="0"/>
-          <a:chOff x="0" y="0"/>
-          <a:chExt cx="0" cy="0"/>
-        </a:xfrm>
-      </p:grpSpPr>
-      <p:sp>
-        <p:nvSpPr>
-          <p:cNvPr id="2" name="Title 1"/>
-          <p:cNvSpPr>
-            <a:spLocks noGrp="1"/>
-          </p:cNvSpPr>
-          <p:nvPr>
-            <p:ph type="title"/>
-          </p:nvPr>
-        </p:nvSpPr>
-        <p:spPr/>
-        <p:txBody>
-          <a:bodyPr/>
-          <a:lstStyle/>
-          <a:p>
-            <a:pPr lvl="0" indent="0" marL="0">
-              <a:buNone/>
-            </a:pPr>
-            <a:r>
-              <a:rPr/>
-              <a:t>Experiment</a:t>
-            </a:r>
-          </a:p>
-        </p:txBody>
-      </p:sp>
-      <p:sp>
-        <p:nvSpPr>
-          <p:cNvPr id="3" name="Content Placeholder 2"/>
-          <p:cNvSpPr>
-            <a:spLocks noGrp="1"/>
-          </p:cNvSpPr>
-          <p:nvPr>
-            <p:ph idx="1" sz="half"/>
-          </p:nvPr>
-        </p:nvSpPr>
-        <p:spPr/>
-        <p:txBody>
-          <a:bodyPr/>
-          <a:lstStyle/>
-          <a:p>
-            <a:pPr lvl="0" indent="0" marL="0">
-              <a:spcBef>
-                <a:spcPts val="3000"/>
-              </a:spcBef>
-              <a:buNone/>
-            </a:pPr>
-            <a:r>
-              <a:rPr b="1"/>
-              <a:t>Treatment</a:t>
-            </a:r>
-          </a:p>
-          <a:p>
-            <a:pPr lvl="0"/>
-            <a:r>
-              <a:rPr/>
-              <a:t>27 species from </a:t>
-            </a:r>
-            <a:r>
-              <a:rPr i="1"/>
-              <a:t>D. melanogaster</a:t>
-            </a:r>
-            <a:r>
-              <a:rPr/>
-              <a:t> species group used</a:t>
-            </a:r>
-          </a:p>
-          <a:p>
-            <a:pPr lvl="1"/>
-            <a:r>
-              <a:rPr/>
-              <a:t>Our analysis just focuses on </a:t>
-            </a:r>
-            <a:r>
-              <a:rPr i="1"/>
-              <a:t>D. prolongata</a:t>
-            </a:r>
-          </a:p>
-          <a:p>
-            <a:pPr lvl="0"/>
-            <a:r>
-              <a:rPr/>
-              <a:t>Each group was exposed to increasing periods of starvation during larval development</a:t>
-            </a:r>
-          </a:p>
-        </p:txBody>
-      </p:sp>
-      <p:sp>
-        <p:nvSpPr>
-          <p:cNvPr id="4" name="Content Placeholder 3"/>
-          <p:cNvSpPr>
-            <a:spLocks noGrp="1"/>
-          </p:cNvSpPr>
-          <p:nvPr>
-            <p:ph idx="2" sz="half"/>
-          </p:nvPr>
-        </p:nvSpPr>
-        <p:spPr/>
-        <p:txBody>
-          <a:bodyPr/>
-          <a:lstStyle/>
-          <a:p>
-            <a:pPr lvl="0" indent="0" marL="0">
-              <a:spcBef>
-                <a:spcPts val="3000"/>
-              </a:spcBef>
-              <a:buNone/>
-            </a:pPr>
-            <a:r>
-              <a:rPr b="1"/>
-              <a:t>Hypothesis</a:t>
-            </a:r>
-          </a:p>
-          <a:p>
-            <a:pPr lvl="0"/>
-            <a:r>
-              <a:rPr/>
-              <a:t>It was predicted that traits and species that were more sexually dimorphic would be more condition dependent than those that were less dimorphic</a:t>
-            </a:r>
-          </a:p>
-        </p:txBody>
-      </p:sp>
-    </p:spTree>
-  </p:cSld>
-</p:sld>
-</file>
-
 <file path=ppt/slides/slide4.xml><?xml version="1.0" encoding="utf-8"?>
 <p:sld xmlns:a="http://schemas.openxmlformats.org/drawingml/2006/main" xmlns:r="http://schemas.openxmlformats.org/officeDocument/2006/relationships" xmlns:p="http://schemas.openxmlformats.org/presentationml/2006/main">
   <p:cSld>
@@ -3759,7 +3878,7 @@
             <a:pPr lvl="1"/>
             <a:r>
               <a:rPr/>
-              <a:t>allows us to investigate each trait’s relationship to the others with respect to size data</a:t>
+              <a:t>allows us to investigate each trait’s relationship to the others</a:t>
             </a:r>
           </a:p>
         </p:txBody>
@@ -4217,7 +4336,7 @@
             <a:pPr lvl="0"/>
             <a:r>
               <a:rPr/>
-              <a:t>Isometry is indicated when all PC1 loadings are equal to 1/√n</a:t>
+              <a:t>Isometry is indicated when all PC1 loadings are equal to 1/√n (Jolicoeur, 1963)</a:t>
             </a:r>
           </a:p>
         </p:txBody>
@@ -4418,6 +4537,83 @@
 </file>
 
 <file path=ppt/slides/slide8.xml><?xml version="1.0" encoding="utf-8"?>
+<p:sld xmlns:a="http://schemas.openxmlformats.org/drawingml/2006/main" xmlns:r="http://schemas.openxmlformats.org/officeDocument/2006/relationships" xmlns:p="http://schemas.openxmlformats.org/presentationml/2006/main">
+  <p:cSld>
+    <p:spTree>
+      <p:nvGrpSpPr>
+        <p:cNvPr id="1" name=""/>
+        <p:cNvGrpSpPr/>
+        <p:nvPr/>
+      </p:nvGrpSpPr>
+      <p:grpSpPr>
+        <a:xfrm>
+          <a:off x="0" y="0"/>
+          <a:ext cx="0" cy="0"/>
+          <a:chOff x="0" y="0"/>
+          <a:chExt cx="0" cy="0"/>
+        </a:xfrm>
+      </p:grpSpPr>
+      <p:sp>
+        <p:nvSpPr>
+          <p:cNvPr id="2" name="Title 1"/>
+          <p:cNvSpPr>
+            <a:spLocks noGrp="1"/>
+          </p:cNvSpPr>
+          <p:nvPr>
+            <p:ph type="title"/>
+          </p:nvPr>
+        </p:nvSpPr>
+        <p:spPr/>
+        <p:txBody>
+          <a:bodyPr/>
+          <a:lstStyle/>
+          <a:p>
+            <a:pPr lvl="0" indent="0" marL="0">
+              <a:buNone/>
+            </a:pPr>
+            <a:r>
+              <a:rPr/>
+              <a:t>Multivariate Analysis: Why?</a:t>
+            </a:r>
+          </a:p>
+        </p:txBody>
+      </p:sp>
+      <p:pic>
+        <p:nvPicPr>
+          <p:cNvPr descr="SexDimDPro_files/figure-pptx/correlation-1.png" id="0" name="Picture 1"/>
+          <p:cNvPicPr>
+            <a:picLocks noGrp="1" noChangeAspect="1"/>
+          </p:cNvPicPr>
+          <p:nvPr/>
+        </p:nvPicPr>
+        <p:blipFill>
+          <a:blip r:embed="rId2"/>
+          <a:stretch>
+            <a:fillRect/>
+          </a:stretch>
+        </p:blipFill>
+        <p:spPr bwMode="auto">
+          <a:xfrm>
+            <a:off x="2451100" y="1193800"/>
+            <a:ext cx="4241800" cy="3390900"/>
+          </a:xfrm>
+          <a:prstGeom prst="rect">
+            <a:avLst/>
+          </a:prstGeom>
+          <a:noFill/>
+          <a:ln w="9525">
+            <a:noFill/>
+            <a:headEnd/>
+            <a:tailEnd/>
+          </a:ln>
+        </p:spPr>
+      </p:pic>
+    </p:spTree>
+  </p:cSld>
+</p:sld>
+</file>
+
+<file path=ppt/slides/slide9.xml><?xml version="1.0" encoding="utf-8"?>
 <p:sld xmlns:a="http://schemas.openxmlformats.org/drawingml/2006/main" xmlns:r="http://schemas.openxmlformats.org/officeDocument/2006/relationships" xmlns:p="http://schemas.openxmlformats.org/presentationml/2006/main">
   <p:cSld>
     <p:spTree>
